--- a/个人财务管理系统的设计与开发后端.pptx
+++ b/个人财务管理系统的设计与开发后端.pptx
@@ -9994,13 +9994,13 @@
           <a:p>
             <a:pPr algn="just"/>
             <a:r>
-              <a:rPr lang="en-US" altLang="zh-CN" dirty="0" err="1" smtClean="0">
+              <a:rPr lang="en-US" altLang="zh-CN" dirty="0" smtClean="0">
                 <a:solidFill>
                   <a:srgbClr val="222222"/>
                 </a:solidFill>
                 <a:latin typeface="PingFang SC"/>
               </a:rPr>
-              <a:t>Mysql</a:t>
+              <a:t>MySQL</a:t>
             </a:r>
             <a:r>
               <a:rPr lang="zh-CN" altLang="en-US" dirty="0" smtClean="0">
@@ -10009,7 +10009,16 @@
                 </a:solidFill>
                 <a:latin typeface="PingFang SC"/>
               </a:rPr>
-              <a:t>是一种关系型数据库，关系数据库</a:t>
+              <a:t>是</a:t>
+            </a:r>
+            <a:r>
+              <a:rPr lang="zh-CN" altLang="en-US" dirty="0" smtClean="0">
+                <a:solidFill>
+                  <a:srgbClr val="222222"/>
+                </a:solidFill>
+                <a:latin typeface="PingFang SC"/>
+              </a:rPr>
+              <a:t>一种关系型数据库，关系数据库</a:t>
             </a:r>
             <a:r>
               <a:rPr lang="zh-CN" altLang="en-US" dirty="0">
@@ -10265,47 +10274,27 @@
                 <a:latin typeface="宋体" panose="02010600030101010101" pitchFamily="2" charset="-122"/>
                 <a:ea typeface="宋体" panose="02010600030101010101" pitchFamily="2" charset="-122"/>
               </a:rPr>
-              <a:t>增主</a:t>
-            </a:r>
-            <a:r>
-              <a:rPr lang="zh-CN" altLang="en-US" dirty="0">
+              <a:t>增主键</a:t>
+            </a:r>
+            <a:r>
+              <a:rPr lang="en-US" altLang="zh-CN" dirty="0" err="1">
                 <a:solidFill>
                   <a:srgbClr val="222222"/>
                 </a:solidFill>
                 <a:latin typeface="宋体" panose="02010600030101010101" pitchFamily="2" charset="-122"/>
                 <a:ea typeface="宋体" panose="02010600030101010101" pitchFamily="2" charset="-122"/>
               </a:rPr>
-              <a:t>键</a:t>
-            </a:r>
-            <a:r>
-              <a:rPr lang="en-US" altLang="zh-CN" dirty="0" err="1">
+              <a:t>userid</a:t>
+            </a:r>
+            <a:r>
+              <a:rPr lang="zh-CN" altLang="en-US" dirty="0">
                 <a:solidFill>
                   <a:srgbClr val="222222"/>
                 </a:solidFill>
                 <a:latin typeface="宋体" panose="02010600030101010101" pitchFamily="2" charset="-122"/>
                 <a:ea typeface="宋体" panose="02010600030101010101" pitchFamily="2" charset="-122"/>
               </a:rPr>
-              <a:t>userid</a:t>
-            </a:r>
-            <a:r>
-              <a:rPr lang="zh-CN" altLang="en-US" dirty="0">
-                <a:solidFill>
-                  <a:srgbClr val="222222"/>
-                </a:solidFill>
-                <a:latin typeface="宋体" panose="02010600030101010101" pitchFamily="2" charset="-122"/>
-                <a:ea typeface="宋体" panose="02010600030101010101" pitchFamily="2" charset="-122"/>
-              </a:rPr>
-              <a:t>，</a:t>
-            </a:r>
-            <a:r>
-              <a:rPr lang="zh-CN" altLang="en-US" dirty="0">
-                <a:solidFill>
-                  <a:srgbClr val="222222"/>
-                </a:solidFill>
-                <a:latin typeface="宋体" panose="02010600030101010101" pitchFamily="2" charset="-122"/>
-                <a:ea typeface="宋体" panose="02010600030101010101" pitchFamily="2" charset="-122"/>
-              </a:rPr>
-              <a:t>用户名</a:t>
+              <a:t>，用户名</a:t>
             </a:r>
             <a:r>
               <a:rPr lang="en-US" altLang="zh-CN" dirty="0">
@@ -12463,16 +12452,7 @@
                 <a:cs typeface="+mn-ea"/>
                 <a:sym typeface="+mn-lt"/>
               </a:rPr>
-              <a:t>RecordService</a:t>
-            </a:r>
-            <a:r>
-              <a:rPr lang="en-US" altLang="zh-CN" sz="1600" kern="0" dirty="0" smtClean="0">
-                <a:latin typeface="微软雅黑" panose="020B0503020204020204" pitchFamily="34" charset="-122"/>
-                <a:ea typeface="微软雅黑" panose="020B0503020204020204" pitchFamily="34" charset="-122"/>
-                <a:cs typeface="+mn-ea"/>
-                <a:sym typeface="+mn-lt"/>
-              </a:rPr>
-              <a:t>.java</a:t>
+              <a:t>RecordService.java</a:t>
             </a:r>
             <a:r>
               <a:rPr lang="zh-CN" altLang="en-US" sz="1600" kern="0" dirty="0" smtClean="0">
